--- a/principles_scatter_plots.pptx
+++ b/principles_scatter_plots.pptx
@@ -105,6 +105,22 @@
       </a:defRPr>
     </a:lvl9pPr>
   </p:defaultTextStyle>
+  <p:extLst>
+    <p:ext uri="{EFAFB233-063F-42B5-8137-9DF3F51BA10A}">
+      <p15:sldGuideLst xmlns:p15="http://schemas.microsoft.com/office/powerpoint/2012/main">
+        <p15:guide id="1" orient="horz" pos="2160">
+          <p15:clr>
+            <a:srgbClr val="A4A3A4"/>
+          </p15:clr>
+        </p15:guide>
+        <p15:guide id="2" pos="2880">
+          <p15:clr>
+            <a:srgbClr val="A4A3A4"/>
+          </p15:clr>
+        </p15:guide>
+      </p15:sldGuideLst>
+    </p:ext>
+  </p:extLst>
 </p:presentation>
 </file>
 
@@ -146,7 +162,7 @@
           <a:lstStyle/>
           <a:p>
             <a:r>
-              <a:rPr lang="en-US" smtClean="0"/>
+              <a:rPr lang="en-US"/>
               <a:t>Click to edit Master title style</a:t>
             </a:r>
             <a:endParaRPr lang="en-GB"/>
@@ -265,7 +281,7 @@
           </a:lstStyle>
           <a:p>
             <a:r>
-              <a:rPr lang="en-US" smtClean="0"/>
+              <a:rPr lang="en-US"/>
               <a:t>Click to edit Master subtitle style</a:t>
             </a:r>
             <a:endParaRPr lang="en-GB"/>
@@ -289,7 +305,7 @@
           <a:p>
             <a:fld id="{03A8C87A-16BB-4EEA-8D1B-D9153F2C658C}" type="datetimeFigureOut">
               <a:rPr lang="en-GB" smtClean="0"/>
-              <a:t>17/03/2022</a:t>
+              <a:t>21/03/2022</a:t>
             </a:fld>
             <a:endParaRPr lang="en-GB"/>
           </a:p>
@@ -383,7 +399,7 @@
           <a:lstStyle/>
           <a:p>
             <a:r>
-              <a:rPr lang="en-US" smtClean="0"/>
+              <a:rPr lang="en-US"/>
               <a:t>Click to edit Master title style</a:t>
             </a:r>
             <a:endParaRPr lang="en-GB"/>
@@ -407,35 +423,35 @@
           <a:p>
             <a:pPr lvl="0"/>
             <a:r>
-              <a:rPr lang="en-US" smtClean="0"/>
+              <a:rPr lang="en-US"/>
               <a:t>Click to edit Master text styles</a:t>
             </a:r>
           </a:p>
           <a:p>
             <a:pPr lvl="1"/>
             <a:r>
-              <a:rPr lang="en-US" smtClean="0"/>
+              <a:rPr lang="en-US"/>
               <a:t>Second level</a:t>
             </a:r>
           </a:p>
           <a:p>
             <a:pPr lvl="2"/>
             <a:r>
-              <a:rPr lang="en-US" smtClean="0"/>
+              <a:rPr lang="en-US"/>
               <a:t>Third level</a:t>
             </a:r>
           </a:p>
           <a:p>
             <a:pPr lvl="3"/>
             <a:r>
-              <a:rPr lang="en-US" smtClean="0"/>
+              <a:rPr lang="en-US"/>
               <a:t>Fourth level</a:t>
             </a:r>
           </a:p>
           <a:p>
             <a:pPr lvl="4"/>
             <a:r>
-              <a:rPr lang="en-US" smtClean="0"/>
+              <a:rPr lang="en-US"/>
               <a:t>Fifth level</a:t>
             </a:r>
             <a:endParaRPr lang="en-GB"/>
@@ -459,7 +475,7 @@
           <a:p>
             <a:fld id="{03A8C87A-16BB-4EEA-8D1B-D9153F2C658C}" type="datetimeFigureOut">
               <a:rPr lang="en-GB" smtClean="0"/>
-              <a:t>17/03/2022</a:t>
+              <a:t>21/03/2022</a:t>
             </a:fld>
             <a:endParaRPr lang="en-GB"/>
           </a:p>
@@ -558,7 +574,7 @@
           <a:lstStyle/>
           <a:p>
             <a:r>
-              <a:rPr lang="en-US" smtClean="0"/>
+              <a:rPr lang="en-US"/>
               <a:t>Click to edit Master title style</a:t>
             </a:r>
             <a:endParaRPr lang="en-GB"/>
@@ -587,35 +603,35 @@
           <a:p>
             <a:pPr lvl="0"/>
             <a:r>
-              <a:rPr lang="en-US" smtClean="0"/>
+              <a:rPr lang="en-US"/>
               <a:t>Click to edit Master text styles</a:t>
             </a:r>
           </a:p>
           <a:p>
             <a:pPr lvl="1"/>
             <a:r>
-              <a:rPr lang="en-US" smtClean="0"/>
+              <a:rPr lang="en-US"/>
               <a:t>Second level</a:t>
             </a:r>
           </a:p>
           <a:p>
             <a:pPr lvl="2"/>
             <a:r>
-              <a:rPr lang="en-US" smtClean="0"/>
+              <a:rPr lang="en-US"/>
               <a:t>Third level</a:t>
             </a:r>
           </a:p>
           <a:p>
             <a:pPr lvl="3"/>
             <a:r>
-              <a:rPr lang="en-US" smtClean="0"/>
+              <a:rPr lang="en-US"/>
               <a:t>Fourth level</a:t>
             </a:r>
           </a:p>
           <a:p>
             <a:pPr lvl="4"/>
             <a:r>
-              <a:rPr lang="en-US" smtClean="0"/>
+              <a:rPr lang="en-US"/>
               <a:t>Fifth level</a:t>
             </a:r>
             <a:endParaRPr lang="en-GB"/>
@@ -639,7 +655,7 @@
           <a:p>
             <a:fld id="{03A8C87A-16BB-4EEA-8D1B-D9153F2C658C}" type="datetimeFigureOut">
               <a:rPr lang="en-GB" smtClean="0"/>
-              <a:t>17/03/2022</a:t>
+              <a:t>21/03/2022</a:t>
             </a:fld>
             <a:endParaRPr lang="en-GB"/>
           </a:p>
@@ -733,7 +749,7 @@
           <a:lstStyle/>
           <a:p>
             <a:r>
-              <a:rPr lang="en-US" smtClean="0"/>
+              <a:rPr lang="en-US"/>
               <a:t>Click to edit Master title style</a:t>
             </a:r>
             <a:endParaRPr lang="en-GB"/>
@@ -757,35 +773,35 @@
           <a:p>
             <a:pPr lvl="0"/>
             <a:r>
-              <a:rPr lang="en-US" smtClean="0"/>
+              <a:rPr lang="en-US"/>
               <a:t>Click to edit Master text styles</a:t>
             </a:r>
           </a:p>
           <a:p>
             <a:pPr lvl="1"/>
             <a:r>
-              <a:rPr lang="en-US" smtClean="0"/>
+              <a:rPr lang="en-US"/>
               <a:t>Second level</a:t>
             </a:r>
           </a:p>
           <a:p>
             <a:pPr lvl="2"/>
             <a:r>
-              <a:rPr lang="en-US" smtClean="0"/>
+              <a:rPr lang="en-US"/>
               <a:t>Third level</a:t>
             </a:r>
           </a:p>
           <a:p>
             <a:pPr lvl="3"/>
             <a:r>
-              <a:rPr lang="en-US" smtClean="0"/>
+              <a:rPr lang="en-US"/>
               <a:t>Fourth level</a:t>
             </a:r>
           </a:p>
           <a:p>
             <a:pPr lvl="4"/>
             <a:r>
-              <a:rPr lang="en-US" smtClean="0"/>
+              <a:rPr lang="en-US"/>
               <a:t>Fifth level</a:t>
             </a:r>
             <a:endParaRPr lang="en-GB"/>
@@ -809,7 +825,7 @@
           <a:p>
             <a:fld id="{03A8C87A-16BB-4EEA-8D1B-D9153F2C658C}" type="datetimeFigureOut">
               <a:rPr lang="en-GB" smtClean="0"/>
-              <a:t>17/03/2022</a:t>
+              <a:t>21/03/2022</a:t>
             </a:fld>
             <a:endParaRPr lang="en-GB"/>
           </a:p>
@@ -912,7 +928,7 @@
           </a:lstStyle>
           <a:p>
             <a:r>
-              <a:rPr lang="en-US" smtClean="0"/>
+              <a:rPr lang="en-US"/>
               <a:t>Click to edit Master title style</a:t>
             </a:r>
             <a:endParaRPr lang="en-GB"/>
@@ -1032,7 +1048,7 @@
           <a:p>
             <a:pPr lvl="0"/>
             <a:r>
-              <a:rPr lang="en-US" smtClean="0"/>
+              <a:rPr lang="en-US"/>
               <a:t>Click to edit Master text styles</a:t>
             </a:r>
           </a:p>
@@ -1055,7 +1071,7 @@
           <a:p>
             <a:fld id="{03A8C87A-16BB-4EEA-8D1B-D9153F2C658C}" type="datetimeFigureOut">
               <a:rPr lang="en-GB" smtClean="0"/>
-              <a:t>17/03/2022</a:t>
+              <a:t>21/03/2022</a:t>
             </a:fld>
             <a:endParaRPr lang="en-GB"/>
           </a:p>
@@ -1149,7 +1165,7 @@
           <a:lstStyle/>
           <a:p>
             <a:r>
-              <a:rPr lang="en-US" smtClean="0"/>
+              <a:rPr lang="en-US"/>
               <a:t>Click to edit Master title style</a:t>
             </a:r>
             <a:endParaRPr lang="en-GB"/>
@@ -1206,35 +1222,35 @@
           <a:p>
             <a:pPr lvl="0"/>
             <a:r>
-              <a:rPr lang="en-US" smtClean="0"/>
+              <a:rPr lang="en-US"/>
               <a:t>Click to edit Master text styles</a:t>
             </a:r>
           </a:p>
           <a:p>
             <a:pPr lvl="1"/>
             <a:r>
-              <a:rPr lang="en-US" smtClean="0"/>
+              <a:rPr lang="en-US"/>
               <a:t>Second level</a:t>
             </a:r>
           </a:p>
           <a:p>
             <a:pPr lvl="2"/>
             <a:r>
-              <a:rPr lang="en-US" smtClean="0"/>
+              <a:rPr lang="en-US"/>
               <a:t>Third level</a:t>
             </a:r>
           </a:p>
           <a:p>
             <a:pPr lvl="3"/>
             <a:r>
-              <a:rPr lang="en-US" smtClean="0"/>
+              <a:rPr lang="en-US"/>
               <a:t>Fourth level</a:t>
             </a:r>
           </a:p>
           <a:p>
             <a:pPr lvl="4"/>
             <a:r>
-              <a:rPr lang="en-US" smtClean="0"/>
+              <a:rPr lang="en-US"/>
               <a:t>Fifth level</a:t>
             </a:r>
             <a:endParaRPr lang="en-GB"/>
@@ -1291,35 +1307,35 @@
           <a:p>
             <a:pPr lvl="0"/>
             <a:r>
-              <a:rPr lang="en-US" smtClean="0"/>
+              <a:rPr lang="en-US"/>
               <a:t>Click to edit Master text styles</a:t>
             </a:r>
           </a:p>
           <a:p>
             <a:pPr lvl="1"/>
             <a:r>
-              <a:rPr lang="en-US" smtClean="0"/>
+              <a:rPr lang="en-US"/>
               <a:t>Second level</a:t>
             </a:r>
           </a:p>
           <a:p>
             <a:pPr lvl="2"/>
             <a:r>
-              <a:rPr lang="en-US" smtClean="0"/>
+              <a:rPr lang="en-US"/>
               <a:t>Third level</a:t>
             </a:r>
           </a:p>
           <a:p>
             <a:pPr lvl="3"/>
             <a:r>
-              <a:rPr lang="en-US" smtClean="0"/>
+              <a:rPr lang="en-US"/>
               <a:t>Fourth level</a:t>
             </a:r>
           </a:p>
           <a:p>
             <a:pPr lvl="4"/>
             <a:r>
-              <a:rPr lang="en-US" smtClean="0"/>
+              <a:rPr lang="en-US"/>
               <a:t>Fifth level</a:t>
             </a:r>
             <a:endParaRPr lang="en-GB"/>
@@ -1343,7 +1359,7 @@
           <a:p>
             <a:fld id="{03A8C87A-16BB-4EEA-8D1B-D9153F2C658C}" type="datetimeFigureOut">
               <a:rPr lang="en-GB" smtClean="0"/>
-              <a:t>17/03/2022</a:t>
+              <a:t>21/03/2022</a:t>
             </a:fld>
             <a:endParaRPr lang="en-GB"/>
           </a:p>
@@ -1441,7 +1457,7 @@
           </a:lstStyle>
           <a:p>
             <a:r>
-              <a:rPr lang="en-US" smtClean="0"/>
+              <a:rPr lang="en-US"/>
               <a:t>Click to edit Master title style</a:t>
             </a:r>
             <a:endParaRPr lang="en-GB"/>
@@ -1507,7 +1523,7 @@
           <a:p>
             <a:pPr lvl="0"/>
             <a:r>
-              <a:rPr lang="en-US" smtClean="0"/>
+              <a:rPr lang="en-US"/>
               <a:t>Click to edit Master text styles</a:t>
             </a:r>
           </a:p>
@@ -1563,35 +1579,35 @@
           <a:p>
             <a:pPr lvl="0"/>
             <a:r>
-              <a:rPr lang="en-US" smtClean="0"/>
+              <a:rPr lang="en-US"/>
               <a:t>Click to edit Master text styles</a:t>
             </a:r>
           </a:p>
           <a:p>
             <a:pPr lvl="1"/>
             <a:r>
-              <a:rPr lang="en-US" smtClean="0"/>
+              <a:rPr lang="en-US"/>
               <a:t>Second level</a:t>
             </a:r>
           </a:p>
           <a:p>
             <a:pPr lvl="2"/>
             <a:r>
-              <a:rPr lang="en-US" smtClean="0"/>
+              <a:rPr lang="en-US"/>
               <a:t>Third level</a:t>
             </a:r>
           </a:p>
           <a:p>
             <a:pPr lvl="3"/>
             <a:r>
-              <a:rPr lang="en-US" smtClean="0"/>
+              <a:rPr lang="en-US"/>
               <a:t>Fourth level</a:t>
             </a:r>
           </a:p>
           <a:p>
             <a:pPr lvl="4"/>
             <a:r>
-              <a:rPr lang="en-US" smtClean="0"/>
+              <a:rPr lang="en-US"/>
               <a:t>Fifth level</a:t>
             </a:r>
             <a:endParaRPr lang="en-GB"/>
@@ -1657,7 +1673,7 @@
           <a:p>
             <a:pPr lvl="0"/>
             <a:r>
-              <a:rPr lang="en-US" smtClean="0"/>
+              <a:rPr lang="en-US"/>
               <a:t>Click to edit Master text styles</a:t>
             </a:r>
           </a:p>
@@ -1713,35 +1729,35 @@
           <a:p>
             <a:pPr lvl="0"/>
             <a:r>
-              <a:rPr lang="en-US" smtClean="0"/>
+              <a:rPr lang="en-US"/>
               <a:t>Click to edit Master text styles</a:t>
             </a:r>
           </a:p>
           <a:p>
             <a:pPr lvl="1"/>
             <a:r>
-              <a:rPr lang="en-US" smtClean="0"/>
+              <a:rPr lang="en-US"/>
               <a:t>Second level</a:t>
             </a:r>
           </a:p>
           <a:p>
             <a:pPr lvl="2"/>
             <a:r>
-              <a:rPr lang="en-US" smtClean="0"/>
+              <a:rPr lang="en-US"/>
               <a:t>Third level</a:t>
             </a:r>
           </a:p>
           <a:p>
             <a:pPr lvl="3"/>
             <a:r>
-              <a:rPr lang="en-US" smtClean="0"/>
+              <a:rPr lang="en-US"/>
               <a:t>Fourth level</a:t>
             </a:r>
           </a:p>
           <a:p>
             <a:pPr lvl="4"/>
             <a:r>
-              <a:rPr lang="en-US" smtClean="0"/>
+              <a:rPr lang="en-US"/>
               <a:t>Fifth level</a:t>
             </a:r>
             <a:endParaRPr lang="en-GB"/>
@@ -1765,7 +1781,7 @@
           <a:p>
             <a:fld id="{03A8C87A-16BB-4EEA-8D1B-D9153F2C658C}" type="datetimeFigureOut">
               <a:rPr lang="en-GB" smtClean="0"/>
-              <a:t>17/03/2022</a:t>
+              <a:t>21/03/2022</a:t>
             </a:fld>
             <a:endParaRPr lang="en-GB"/>
           </a:p>
@@ -1859,7 +1875,7 @@
           <a:lstStyle/>
           <a:p>
             <a:r>
-              <a:rPr lang="en-US" smtClean="0"/>
+              <a:rPr lang="en-US"/>
               <a:t>Click to edit Master title style</a:t>
             </a:r>
             <a:endParaRPr lang="en-GB"/>
@@ -1883,7 +1899,7 @@
           <a:p>
             <a:fld id="{03A8C87A-16BB-4EEA-8D1B-D9153F2C658C}" type="datetimeFigureOut">
               <a:rPr lang="en-GB" smtClean="0"/>
-              <a:t>17/03/2022</a:t>
+              <a:t>21/03/2022</a:t>
             </a:fld>
             <a:endParaRPr lang="en-GB"/>
           </a:p>
@@ -1978,7 +1994,7 @@
           <a:p>
             <a:fld id="{03A8C87A-16BB-4EEA-8D1B-D9153F2C658C}" type="datetimeFigureOut">
               <a:rPr lang="en-GB" smtClean="0"/>
-              <a:t>17/03/2022</a:t>
+              <a:t>21/03/2022</a:t>
             </a:fld>
             <a:endParaRPr lang="en-GB"/>
           </a:p>
@@ -2081,7 +2097,7 @@
           </a:lstStyle>
           <a:p>
             <a:r>
-              <a:rPr lang="en-US" smtClean="0"/>
+              <a:rPr lang="en-US"/>
               <a:t>Click to edit Master title style</a:t>
             </a:r>
             <a:endParaRPr lang="en-GB"/>
@@ -2138,35 +2154,35 @@
           <a:p>
             <a:pPr lvl="0"/>
             <a:r>
-              <a:rPr lang="en-US" smtClean="0"/>
+              <a:rPr lang="en-US"/>
               <a:t>Click to edit Master text styles</a:t>
             </a:r>
           </a:p>
           <a:p>
             <a:pPr lvl="1"/>
             <a:r>
-              <a:rPr lang="en-US" smtClean="0"/>
+              <a:rPr lang="en-US"/>
               <a:t>Second level</a:t>
             </a:r>
           </a:p>
           <a:p>
             <a:pPr lvl="2"/>
             <a:r>
-              <a:rPr lang="en-US" smtClean="0"/>
+              <a:rPr lang="en-US"/>
               <a:t>Third level</a:t>
             </a:r>
           </a:p>
           <a:p>
             <a:pPr lvl="3"/>
             <a:r>
-              <a:rPr lang="en-US" smtClean="0"/>
+              <a:rPr lang="en-US"/>
               <a:t>Fourth level</a:t>
             </a:r>
           </a:p>
           <a:p>
             <a:pPr lvl="4"/>
             <a:r>
-              <a:rPr lang="en-US" smtClean="0"/>
+              <a:rPr lang="en-US"/>
               <a:t>Fifth level</a:t>
             </a:r>
             <a:endParaRPr lang="en-GB"/>
@@ -2232,7 +2248,7 @@
           <a:p>
             <a:pPr lvl="0"/>
             <a:r>
-              <a:rPr lang="en-US" smtClean="0"/>
+              <a:rPr lang="en-US"/>
               <a:t>Click to edit Master text styles</a:t>
             </a:r>
           </a:p>
@@ -2255,7 +2271,7 @@
           <a:p>
             <a:fld id="{03A8C87A-16BB-4EEA-8D1B-D9153F2C658C}" type="datetimeFigureOut">
               <a:rPr lang="en-GB" smtClean="0"/>
-              <a:t>17/03/2022</a:t>
+              <a:t>21/03/2022</a:t>
             </a:fld>
             <a:endParaRPr lang="en-GB"/>
           </a:p>
@@ -2358,7 +2374,7 @@
           </a:lstStyle>
           <a:p>
             <a:r>
-              <a:rPr lang="en-US" smtClean="0"/>
+              <a:rPr lang="en-US"/>
               <a:t>Click to edit Master title style</a:t>
             </a:r>
             <a:endParaRPr lang="en-GB"/>
@@ -2485,7 +2501,7 @@
           <a:p>
             <a:pPr lvl="0"/>
             <a:r>
-              <a:rPr lang="en-US" smtClean="0"/>
+              <a:rPr lang="en-US"/>
               <a:t>Click to edit Master text styles</a:t>
             </a:r>
           </a:p>
@@ -2508,7 +2524,7 @@
           <a:p>
             <a:fld id="{03A8C87A-16BB-4EEA-8D1B-D9153F2C658C}" type="datetimeFigureOut">
               <a:rPr lang="en-GB" smtClean="0"/>
-              <a:t>17/03/2022</a:t>
+              <a:t>21/03/2022</a:t>
             </a:fld>
             <a:endParaRPr lang="en-GB"/>
           </a:p>
@@ -2617,7 +2633,7 @@
           <a:lstStyle/>
           <a:p>
             <a:r>
-              <a:rPr lang="en-US" smtClean="0"/>
+              <a:rPr lang="en-US"/>
               <a:t>Click to edit Master title style</a:t>
             </a:r>
             <a:endParaRPr lang="en-GB"/>
@@ -2651,35 +2667,35 @@
           <a:p>
             <a:pPr lvl="0"/>
             <a:r>
-              <a:rPr lang="en-US" smtClean="0"/>
+              <a:rPr lang="en-US"/>
               <a:t>Click to edit Master text styles</a:t>
             </a:r>
           </a:p>
           <a:p>
             <a:pPr lvl="1"/>
             <a:r>
-              <a:rPr lang="en-US" smtClean="0"/>
+              <a:rPr lang="en-US"/>
               <a:t>Second level</a:t>
             </a:r>
           </a:p>
           <a:p>
             <a:pPr lvl="2"/>
             <a:r>
-              <a:rPr lang="en-US" smtClean="0"/>
+              <a:rPr lang="en-US"/>
               <a:t>Third level</a:t>
             </a:r>
           </a:p>
           <a:p>
             <a:pPr lvl="3"/>
             <a:r>
-              <a:rPr lang="en-US" smtClean="0"/>
+              <a:rPr lang="en-US"/>
               <a:t>Fourth level</a:t>
             </a:r>
           </a:p>
           <a:p>
             <a:pPr lvl="4"/>
             <a:r>
-              <a:rPr lang="en-US" smtClean="0"/>
+              <a:rPr lang="en-US"/>
               <a:t>Fifth level</a:t>
             </a:r>
             <a:endParaRPr lang="en-GB"/>
@@ -2721,7 +2737,7 @@
           <a:p>
             <a:fld id="{03A8C87A-16BB-4EEA-8D1B-D9153F2C658C}" type="datetimeFigureOut">
               <a:rPr lang="en-GB" smtClean="0"/>
-              <a:t>17/03/2022</a:t>
+              <a:t>21/03/2022</a:t>
             </a:fld>
             <a:endParaRPr lang="en-GB"/>
           </a:p>
@@ -3293,6 +3309,111 @@
           </a:extLst>
         </p:spPr>
       </p:pic>
+      <p:pic>
+        <p:nvPicPr>
+          <p:cNvPr id="14" name="Picture 13">
+            <a:extLst>
+              <a:ext uri="{FF2B5EF4-FFF2-40B4-BE49-F238E27FC236}">
+                <a16:creationId xmlns:a16="http://schemas.microsoft.com/office/drawing/2014/main" id="{BA3E51C7-89A5-48EC-8EC9-F93265D5641C}"/>
+              </a:ext>
+            </a:extLst>
+          </p:cNvPr>
+          <p:cNvPicPr>
+            <a:picLocks noChangeAspect="1"/>
+          </p:cNvPicPr>
+          <p:nvPr/>
+        </p:nvPicPr>
+        <p:blipFill rotWithShape="1">
+          <a:blip r:embed="rId6" cstate="print">
+            <a:extLst>
+              <a:ext uri="{28A0092B-C50C-407E-A947-70E740481C1C}">
+                <a14:useLocalDpi xmlns:a14="http://schemas.microsoft.com/office/drawing/2010/main" val="0"/>
+              </a:ext>
+            </a:extLst>
+          </a:blip>
+          <a:srcRect b="33063"/>
+          <a:stretch/>
+        </p:blipFill>
+        <p:spPr>
+          <a:xfrm>
+            <a:off x="6300192" y="3382596"/>
+            <a:ext cx="1791072" cy="1198893"/>
+          </a:xfrm>
+          <a:prstGeom prst="rect">
+            <a:avLst/>
+          </a:prstGeom>
+        </p:spPr>
+      </p:pic>
+      <p:pic>
+        <p:nvPicPr>
+          <p:cNvPr id="16" name="Picture 15">
+            <a:extLst>
+              <a:ext uri="{FF2B5EF4-FFF2-40B4-BE49-F238E27FC236}">
+                <a16:creationId xmlns:a16="http://schemas.microsoft.com/office/drawing/2014/main" id="{D1B8464F-568B-4F42-853A-4015EBE4FC6A}"/>
+              </a:ext>
+            </a:extLst>
+          </p:cNvPr>
+          <p:cNvPicPr>
+            <a:picLocks noChangeAspect="1"/>
+          </p:cNvPicPr>
+          <p:nvPr/>
+        </p:nvPicPr>
+        <p:blipFill rotWithShape="1">
+          <a:blip r:embed="rId7" cstate="print">
+            <a:extLst>
+              <a:ext uri="{28A0092B-C50C-407E-A947-70E740481C1C}">
+                <a14:useLocalDpi xmlns:a14="http://schemas.microsoft.com/office/drawing/2010/main" val="0"/>
+              </a:ext>
+            </a:extLst>
+          </a:blip>
+          <a:srcRect b="32023"/>
+          <a:stretch/>
+        </p:blipFill>
+        <p:spPr>
+          <a:xfrm>
+            <a:off x="1674524" y="3091971"/>
+            <a:ext cx="1743243" cy="1185009"/>
+          </a:xfrm>
+          <a:prstGeom prst="rect">
+            <a:avLst/>
+          </a:prstGeom>
+        </p:spPr>
+      </p:pic>
+      <p:pic>
+        <p:nvPicPr>
+          <p:cNvPr id="18" name="Picture 17">
+            <a:extLst>
+              <a:ext uri="{FF2B5EF4-FFF2-40B4-BE49-F238E27FC236}">
+                <a16:creationId xmlns:a16="http://schemas.microsoft.com/office/drawing/2014/main" id="{CDD82252-E4DF-410A-898D-7079EB6BF8B8}"/>
+              </a:ext>
+            </a:extLst>
+          </p:cNvPr>
+          <p:cNvPicPr>
+            <a:picLocks noChangeAspect="1"/>
+          </p:cNvPicPr>
+          <p:nvPr/>
+        </p:nvPicPr>
+        <p:blipFill rotWithShape="1">
+          <a:blip r:embed="rId8" cstate="print">
+            <a:extLst>
+              <a:ext uri="{28A0092B-C50C-407E-A947-70E740481C1C}">
+                <a14:useLocalDpi xmlns:a14="http://schemas.microsoft.com/office/drawing/2010/main" val="0"/>
+              </a:ext>
+            </a:extLst>
+          </a:blip>
+          <a:srcRect b="33499"/>
+          <a:stretch/>
+        </p:blipFill>
+        <p:spPr>
+          <a:xfrm>
+            <a:off x="1857386" y="11743"/>
+            <a:ext cx="1781944" cy="1185009"/>
+          </a:xfrm>
+          <a:prstGeom prst="rect">
+            <a:avLst/>
+          </a:prstGeom>
+        </p:spPr>
+      </p:pic>
     </p:spTree>
     <p:extLst>
       <p:ext uri="{BB962C8B-B14F-4D97-AF65-F5344CB8AC3E}">
@@ -3518,6 +3639,111 @@
               </a14:hiddenFill>
             </a:ext>
           </a:extLst>
+        </p:spPr>
+      </p:pic>
+      <p:pic>
+        <p:nvPicPr>
+          <p:cNvPr id="3" name="Picture 2">
+            <a:extLst>
+              <a:ext uri="{FF2B5EF4-FFF2-40B4-BE49-F238E27FC236}">
+                <a16:creationId xmlns:a16="http://schemas.microsoft.com/office/drawing/2014/main" id="{BC9EE0B0-22A0-42F9-9B25-53B8D0924DC3}"/>
+              </a:ext>
+            </a:extLst>
+          </p:cNvPr>
+          <p:cNvPicPr>
+            <a:picLocks noChangeAspect="1"/>
+          </p:cNvPicPr>
+          <p:nvPr/>
+        </p:nvPicPr>
+        <p:blipFill rotWithShape="1">
+          <a:blip r:embed="rId6" cstate="print">
+            <a:extLst>
+              <a:ext uri="{28A0092B-C50C-407E-A947-70E740481C1C}">
+                <a14:useLocalDpi xmlns:a14="http://schemas.microsoft.com/office/drawing/2010/main" val="0"/>
+              </a:ext>
+            </a:extLst>
+          </a:blip>
+          <a:srcRect b="31978"/>
+          <a:stretch/>
+        </p:blipFill>
+        <p:spPr>
+          <a:xfrm>
+            <a:off x="1310284" y="3429000"/>
+            <a:ext cx="1677541" cy="1141092"/>
+          </a:xfrm>
+          <a:prstGeom prst="rect">
+            <a:avLst/>
+          </a:prstGeom>
+        </p:spPr>
+      </p:pic>
+      <p:pic>
+        <p:nvPicPr>
+          <p:cNvPr id="5" name="Picture 4">
+            <a:extLst>
+              <a:ext uri="{FF2B5EF4-FFF2-40B4-BE49-F238E27FC236}">
+                <a16:creationId xmlns:a16="http://schemas.microsoft.com/office/drawing/2014/main" id="{22ECA4E4-D671-484F-AB94-2E00AC05B25E}"/>
+              </a:ext>
+            </a:extLst>
+          </p:cNvPr>
+          <p:cNvPicPr>
+            <a:picLocks noChangeAspect="1"/>
+          </p:cNvPicPr>
+          <p:nvPr/>
+        </p:nvPicPr>
+        <p:blipFill rotWithShape="1">
+          <a:blip r:embed="rId7" cstate="print">
+            <a:extLst>
+              <a:ext uri="{28A0092B-C50C-407E-A947-70E740481C1C}">
+                <a14:useLocalDpi xmlns:a14="http://schemas.microsoft.com/office/drawing/2010/main" val="0"/>
+              </a:ext>
+            </a:extLst>
+          </a:blip>
+          <a:srcRect b="32034"/>
+          <a:stretch/>
+        </p:blipFill>
+        <p:spPr>
+          <a:xfrm>
+            <a:off x="4153021" y="1393501"/>
+            <a:ext cx="1829453" cy="1243412"/>
+          </a:xfrm>
+          <a:prstGeom prst="rect">
+            <a:avLst/>
+          </a:prstGeom>
+        </p:spPr>
+      </p:pic>
+      <p:pic>
+        <p:nvPicPr>
+          <p:cNvPr id="11" name="Picture 10">
+            <a:extLst>
+              <a:ext uri="{FF2B5EF4-FFF2-40B4-BE49-F238E27FC236}">
+                <a16:creationId xmlns:a16="http://schemas.microsoft.com/office/drawing/2014/main" id="{F322DFCD-73A2-4079-8844-AAB0112EF2A1}"/>
+              </a:ext>
+            </a:extLst>
+          </p:cNvPr>
+          <p:cNvPicPr>
+            <a:picLocks noChangeAspect="1"/>
+          </p:cNvPicPr>
+          <p:nvPr/>
+        </p:nvPicPr>
+        <p:blipFill rotWithShape="1">
+          <a:blip r:embed="rId8" cstate="print">
+            <a:extLst>
+              <a:ext uri="{28A0092B-C50C-407E-A947-70E740481C1C}">
+                <a14:useLocalDpi xmlns:a14="http://schemas.microsoft.com/office/drawing/2010/main" val="0"/>
+              </a:ext>
+            </a:extLst>
+          </a:blip>
+          <a:srcRect b="33192"/>
+          <a:stretch/>
+        </p:blipFill>
+        <p:spPr>
+          <a:xfrm>
+            <a:off x="5387997" y="2708920"/>
+            <a:ext cx="1861172" cy="1243412"/>
+          </a:xfrm>
+          <a:prstGeom prst="rect">
+            <a:avLst/>
+          </a:prstGeom>
         </p:spPr>
       </p:pic>
     </p:spTree>

--- a/principles_scatter_plots.pptx
+++ b/principles_scatter_plots.pptx
@@ -7,6 +7,8 @@
   <p:sldIdLst>
     <p:sldId id="258" r:id="rId2"/>
     <p:sldId id="259" r:id="rId3"/>
+    <p:sldId id="260" r:id="rId4"/>
+    <p:sldId id="261" r:id="rId5"/>
   </p:sldIdLst>
   <p:sldSz cx="9144000" cy="6858000" type="screen4x3"/>
   <p:notesSz cx="6858000" cy="9144000"/>
@@ -107,7 +109,7 @@
   </p:defaultTextStyle>
   <p:extLst>
     <p:ext uri="{EFAFB233-063F-42B5-8137-9DF3F51BA10A}">
-      <p15:sldGuideLst xmlns:p15="http://schemas.microsoft.com/office/powerpoint/2012/main">
+      <p15:sldGuideLst xmlns:p15="http://schemas.microsoft.com/office/powerpoint/2012/main" xmlns="">
         <p15:guide id="1" orient="horz" pos="2160">
           <p15:clr>
             <a:srgbClr val="A4A3A4"/>
@@ -305,7 +307,7 @@
           <a:p>
             <a:fld id="{03A8C87A-16BB-4EEA-8D1B-D9153F2C658C}" type="datetimeFigureOut">
               <a:rPr lang="en-GB" smtClean="0"/>
-              <a:t>21/03/2022</a:t>
+              <a:t>28/03/2022</a:t>
             </a:fld>
             <a:endParaRPr lang="en-GB"/>
           </a:p>
@@ -475,7 +477,7 @@
           <a:p>
             <a:fld id="{03A8C87A-16BB-4EEA-8D1B-D9153F2C658C}" type="datetimeFigureOut">
               <a:rPr lang="en-GB" smtClean="0"/>
-              <a:t>21/03/2022</a:t>
+              <a:t>28/03/2022</a:t>
             </a:fld>
             <a:endParaRPr lang="en-GB"/>
           </a:p>
@@ -655,7 +657,7 @@
           <a:p>
             <a:fld id="{03A8C87A-16BB-4EEA-8D1B-D9153F2C658C}" type="datetimeFigureOut">
               <a:rPr lang="en-GB" smtClean="0"/>
-              <a:t>21/03/2022</a:t>
+              <a:t>28/03/2022</a:t>
             </a:fld>
             <a:endParaRPr lang="en-GB"/>
           </a:p>
@@ -825,7 +827,7 @@
           <a:p>
             <a:fld id="{03A8C87A-16BB-4EEA-8D1B-D9153F2C658C}" type="datetimeFigureOut">
               <a:rPr lang="en-GB" smtClean="0"/>
-              <a:t>21/03/2022</a:t>
+              <a:t>28/03/2022</a:t>
             </a:fld>
             <a:endParaRPr lang="en-GB"/>
           </a:p>
@@ -1071,7 +1073,7 @@
           <a:p>
             <a:fld id="{03A8C87A-16BB-4EEA-8D1B-D9153F2C658C}" type="datetimeFigureOut">
               <a:rPr lang="en-GB" smtClean="0"/>
-              <a:t>21/03/2022</a:t>
+              <a:t>28/03/2022</a:t>
             </a:fld>
             <a:endParaRPr lang="en-GB"/>
           </a:p>
@@ -1359,7 +1361,7 @@
           <a:p>
             <a:fld id="{03A8C87A-16BB-4EEA-8D1B-D9153F2C658C}" type="datetimeFigureOut">
               <a:rPr lang="en-GB" smtClean="0"/>
-              <a:t>21/03/2022</a:t>
+              <a:t>28/03/2022</a:t>
             </a:fld>
             <a:endParaRPr lang="en-GB"/>
           </a:p>
@@ -1781,7 +1783,7 @@
           <a:p>
             <a:fld id="{03A8C87A-16BB-4EEA-8D1B-D9153F2C658C}" type="datetimeFigureOut">
               <a:rPr lang="en-GB" smtClean="0"/>
-              <a:t>21/03/2022</a:t>
+              <a:t>28/03/2022</a:t>
             </a:fld>
             <a:endParaRPr lang="en-GB"/>
           </a:p>
@@ -1899,7 +1901,7 @@
           <a:p>
             <a:fld id="{03A8C87A-16BB-4EEA-8D1B-D9153F2C658C}" type="datetimeFigureOut">
               <a:rPr lang="en-GB" smtClean="0"/>
-              <a:t>21/03/2022</a:t>
+              <a:t>28/03/2022</a:t>
             </a:fld>
             <a:endParaRPr lang="en-GB"/>
           </a:p>
@@ -1994,7 +1996,7 @@
           <a:p>
             <a:fld id="{03A8C87A-16BB-4EEA-8D1B-D9153F2C658C}" type="datetimeFigureOut">
               <a:rPr lang="en-GB" smtClean="0"/>
-              <a:t>21/03/2022</a:t>
+              <a:t>28/03/2022</a:t>
             </a:fld>
             <a:endParaRPr lang="en-GB"/>
           </a:p>
@@ -2271,7 +2273,7 @@
           <a:p>
             <a:fld id="{03A8C87A-16BB-4EEA-8D1B-D9153F2C658C}" type="datetimeFigureOut">
               <a:rPr lang="en-GB" smtClean="0"/>
-              <a:t>21/03/2022</a:t>
+              <a:t>28/03/2022</a:t>
             </a:fld>
             <a:endParaRPr lang="en-GB"/>
           </a:p>
@@ -2524,7 +2526,7 @@
           <a:p>
             <a:fld id="{03A8C87A-16BB-4EEA-8D1B-D9153F2C658C}" type="datetimeFigureOut">
               <a:rPr lang="en-GB" smtClean="0"/>
-              <a:t>21/03/2022</a:t>
+              <a:t>28/03/2022</a:t>
             </a:fld>
             <a:endParaRPr lang="en-GB"/>
           </a:p>
@@ -2737,7 +2739,7 @@
           <a:p>
             <a:fld id="{03A8C87A-16BB-4EEA-8D1B-D9153F2C658C}" type="datetimeFigureOut">
               <a:rPr lang="en-GB" smtClean="0"/>
-              <a:t>21/03/2022</a:t>
+              <a:t>28/03/2022</a:t>
             </a:fld>
             <a:endParaRPr lang="en-GB"/>
           </a:p>
@@ -3134,7 +3136,7 @@
         </p:blipFill>
         <p:spPr>
           <a:xfrm>
-            <a:off x="914400" y="685800"/>
+            <a:off x="914400" y="1298246"/>
             <a:ext cx="7315200" cy="5486400"/>
           </a:xfrm>
           <a:prstGeom prst="rect">
@@ -3172,7 +3174,7 @@
         </p:blipFill>
         <p:spPr bwMode="auto">
           <a:xfrm>
-            <a:off x="1857386" y="4683517"/>
+            <a:off x="1857386" y="5295963"/>
             <a:ext cx="688760" cy="371285"/>
           </a:xfrm>
           <a:prstGeom prst="rect">
@@ -3243,7 +3245,7 @@
         </p:blipFill>
         <p:spPr bwMode="auto">
           <a:xfrm>
-            <a:off x="2503398" y="881711"/>
+            <a:off x="2503398" y="1494157"/>
             <a:ext cx="380400" cy="402407"/>
           </a:xfrm>
           <a:prstGeom prst="rect">
@@ -3291,7 +3293,7 @@
         </p:blipFill>
         <p:spPr bwMode="auto">
           <a:xfrm>
-            <a:off x="6660232" y="4869160"/>
+            <a:off x="6660232" y="5481606"/>
             <a:ext cx="768424" cy="522289"/>
           </a:xfrm>
           <a:prstGeom prst="rect">
@@ -3311,19 +3313,13 @@
       </p:pic>
       <p:pic>
         <p:nvPicPr>
-          <p:cNvPr id="14" name="Picture 13">
-            <a:extLst>
-              <a:ext uri="{FF2B5EF4-FFF2-40B4-BE49-F238E27FC236}">
-                <a16:creationId xmlns:a16="http://schemas.microsoft.com/office/drawing/2014/main" id="{BA3E51C7-89A5-48EC-8EC9-F93265D5641C}"/>
-              </a:ext>
-            </a:extLst>
-          </p:cNvPr>
+          <p:cNvPr id="2" name="Picture 1"/>
           <p:cNvPicPr>
             <a:picLocks noChangeAspect="1"/>
           </p:cNvPicPr>
           <p:nvPr/>
         </p:nvPicPr>
-        <p:blipFill rotWithShape="1">
+        <p:blipFill>
           <a:blip r:embed="rId6" cstate="print">
             <a:extLst>
               <a:ext uri="{28A0092B-C50C-407E-A947-70E740481C1C}">
@@ -3331,13 +3327,14 @@
               </a:ext>
             </a:extLst>
           </a:blip>
-          <a:srcRect b="33063"/>
-          <a:stretch/>
+          <a:stretch>
+            <a:fillRect/>
+          </a:stretch>
         </p:blipFill>
         <p:spPr>
           <a:xfrm>
-            <a:off x="6300192" y="3382596"/>
-            <a:ext cx="1791072" cy="1198893"/>
+            <a:off x="5877272" y="4176830"/>
+            <a:ext cx="1863080" cy="1565920"/>
           </a:xfrm>
           <a:prstGeom prst="rect">
             <a:avLst/>
@@ -3346,19 +3343,13 @@
       </p:pic>
       <p:pic>
         <p:nvPicPr>
-          <p:cNvPr id="16" name="Picture 15">
-            <a:extLst>
-              <a:ext uri="{FF2B5EF4-FFF2-40B4-BE49-F238E27FC236}">
-                <a16:creationId xmlns:a16="http://schemas.microsoft.com/office/drawing/2014/main" id="{D1B8464F-568B-4F42-853A-4015EBE4FC6A}"/>
-              </a:ext>
-            </a:extLst>
-          </p:cNvPr>
+          <p:cNvPr id="3" name="Picture 2"/>
           <p:cNvPicPr>
             <a:picLocks noChangeAspect="1"/>
           </p:cNvPicPr>
           <p:nvPr/>
         </p:nvPicPr>
-        <p:blipFill rotWithShape="1">
+        <p:blipFill>
           <a:blip r:embed="rId7" cstate="print">
             <a:extLst>
               <a:ext uri="{28A0092B-C50C-407E-A947-70E740481C1C}">
@@ -3366,13 +3357,14 @@
               </a:ext>
             </a:extLst>
           </a:blip>
-          <a:srcRect b="32023"/>
-          <a:stretch/>
+          <a:stretch>
+            <a:fillRect/>
+          </a:stretch>
         </p:blipFill>
         <p:spPr>
           <a:xfrm>
-            <a:off x="1674524" y="3091971"/>
-            <a:ext cx="1743243" cy="1185009"/>
+            <a:off x="1475656" y="3647134"/>
+            <a:ext cx="1800200" cy="1557288"/>
           </a:xfrm>
           <a:prstGeom prst="rect">
             <a:avLst/>
@@ -3381,19 +3373,13 @@
       </p:pic>
       <p:pic>
         <p:nvPicPr>
-          <p:cNvPr id="18" name="Picture 17">
-            <a:extLst>
-              <a:ext uri="{FF2B5EF4-FFF2-40B4-BE49-F238E27FC236}">
-                <a16:creationId xmlns:a16="http://schemas.microsoft.com/office/drawing/2014/main" id="{CDD82252-E4DF-410A-898D-7079EB6BF8B8}"/>
-              </a:ext>
-            </a:extLst>
-          </p:cNvPr>
+          <p:cNvPr id="4" name="Picture 3"/>
           <p:cNvPicPr>
             <a:picLocks noChangeAspect="1"/>
           </p:cNvPicPr>
           <p:nvPr/>
         </p:nvPicPr>
-        <p:blipFill rotWithShape="1">
+        <p:blipFill>
           <a:blip r:embed="rId8" cstate="print">
             <a:extLst>
               <a:ext uri="{28A0092B-C50C-407E-A947-70E740481C1C}">
@@ -3401,19 +3387,156 @@
               </a:ext>
             </a:extLst>
           </a:blip>
-          <a:srcRect b="33499"/>
-          <a:stretch/>
+          <a:stretch>
+            <a:fillRect/>
+          </a:stretch>
         </p:blipFill>
         <p:spPr>
           <a:xfrm>
-            <a:off x="1857386" y="11743"/>
-            <a:ext cx="1781944" cy="1185009"/>
+            <a:off x="1857386" y="620688"/>
+            <a:ext cx="1816164" cy="1493912"/>
           </a:xfrm>
           <a:prstGeom prst="rect">
             <a:avLst/>
           </a:prstGeom>
         </p:spPr>
       </p:pic>
+      <p:sp>
+        <p:nvSpPr>
+          <p:cNvPr id="9" name="TextBox 8"/>
+          <p:cNvSpPr txBox="1"/>
+          <p:nvPr/>
+        </p:nvSpPr>
+        <p:spPr>
+          <a:xfrm>
+            <a:off x="1897376" y="257699"/>
+            <a:ext cx="986422" cy="415498"/>
+          </a:xfrm>
+          <a:prstGeom prst="rect">
+            <a:avLst/>
+          </a:prstGeom>
+          <a:noFill/>
+        </p:spPr>
+        <p:txBody>
+          <a:bodyPr wrap="square" rtlCol="0">
+            <a:spAutoFit/>
+          </a:bodyPr>
+          <a:lstStyle/>
+          <a:p>
+            <a:pPr algn="ctr"/>
+            <a:r>
+              <a:rPr lang="en-GB" sz="1050" dirty="0" smtClean="0"/>
+              <a:t>Baseline steady state</a:t>
+            </a:r>
+            <a:endParaRPr lang="en-GB" sz="1050" dirty="0"/>
+          </a:p>
+        </p:txBody>
+      </p:sp>
+      <p:sp>
+        <p:nvSpPr>
+          <p:cNvPr id="13" name="TextBox 12"/>
+          <p:cNvSpPr txBox="1"/>
+          <p:nvPr/>
+        </p:nvSpPr>
+        <p:spPr>
+          <a:xfrm>
+            <a:off x="2687128" y="335319"/>
+            <a:ext cx="986422" cy="415498"/>
+          </a:xfrm>
+          <a:prstGeom prst="rect">
+            <a:avLst/>
+          </a:prstGeom>
+          <a:noFill/>
+        </p:spPr>
+        <p:txBody>
+          <a:bodyPr wrap="square" rtlCol="0">
+            <a:spAutoFit/>
+          </a:bodyPr>
+          <a:lstStyle/>
+          <a:p>
+            <a:pPr algn="ctr"/>
+            <a:r>
+              <a:rPr lang="en-GB" sz="1050" dirty="0" smtClean="0"/>
+              <a:t>Adult harvest steady state</a:t>
+            </a:r>
+            <a:endParaRPr lang="en-GB" sz="1050" dirty="0"/>
+          </a:p>
+        </p:txBody>
+      </p:sp>
+      <p:cxnSp>
+        <p:nvCxnSpPr>
+          <p:cNvPr id="11" name="Straight Arrow Connector 10"/>
+          <p:cNvCxnSpPr>
+            <a:stCxn id="9" idx="2"/>
+          </p:cNvCxnSpPr>
+          <p:nvPr/>
+        </p:nvCxnSpPr>
+        <p:spPr>
+          <a:xfrm>
+            <a:off x="2390587" y="673197"/>
+            <a:ext cx="0" cy="155240"/>
+          </a:xfrm>
+          <a:prstGeom prst="straightConnector1">
+            <a:avLst/>
+          </a:prstGeom>
+          <a:ln w="38100">
+            <a:solidFill>
+              <a:schemeClr val="tx1"/>
+            </a:solidFill>
+            <a:tailEnd type="stealth"/>
+          </a:ln>
+        </p:spPr>
+        <p:style>
+          <a:lnRef idx="1">
+            <a:schemeClr val="accent1"/>
+          </a:lnRef>
+          <a:fillRef idx="0">
+            <a:schemeClr val="accent1"/>
+          </a:fillRef>
+          <a:effectRef idx="0">
+            <a:schemeClr val="accent1"/>
+          </a:effectRef>
+          <a:fontRef idx="minor">
+            <a:schemeClr val="tx1"/>
+          </a:fontRef>
+        </p:style>
+      </p:cxnSp>
+      <p:cxnSp>
+        <p:nvCxnSpPr>
+          <p:cNvPr id="17" name="Straight Arrow Connector 16"/>
+          <p:cNvCxnSpPr/>
+          <p:nvPr/>
+        </p:nvCxnSpPr>
+        <p:spPr>
+          <a:xfrm>
+            <a:off x="3180339" y="756887"/>
+            <a:ext cx="0" cy="155240"/>
+          </a:xfrm>
+          <a:prstGeom prst="straightConnector1">
+            <a:avLst/>
+          </a:prstGeom>
+          <a:ln w="38100">
+            <a:solidFill>
+              <a:schemeClr val="tx1"/>
+            </a:solidFill>
+            <a:tailEnd type="stealth"/>
+          </a:ln>
+        </p:spPr>
+        <p:style>
+          <a:lnRef idx="1">
+            <a:schemeClr val="accent1"/>
+          </a:lnRef>
+          <a:fillRef idx="0">
+            <a:schemeClr val="accent1"/>
+          </a:fillRef>
+          <a:effectRef idx="0">
+            <a:schemeClr val="accent1"/>
+          </a:effectRef>
+          <a:fontRef idx="minor">
+            <a:schemeClr val="tx1"/>
+          </a:fontRef>
+        </p:style>
+      </p:cxnSp>
     </p:spTree>
     <p:extLst>
       <p:ext uri="{BB962C8B-B14F-4D97-AF65-F5344CB8AC3E}">
@@ -3643,19 +3766,13 @@
       </p:pic>
       <p:pic>
         <p:nvPicPr>
-          <p:cNvPr id="3" name="Picture 2">
-            <a:extLst>
-              <a:ext uri="{FF2B5EF4-FFF2-40B4-BE49-F238E27FC236}">
-                <a16:creationId xmlns:a16="http://schemas.microsoft.com/office/drawing/2014/main" id="{BC9EE0B0-22A0-42F9-9B25-53B8D0924DC3}"/>
-              </a:ext>
-            </a:extLst>
-          </p:cNvPr>
+          <p:cNvPr id="2" name="Picture 1"/>
           <p:cNvPicPr>
             <a:picLocks noChangeAspect="1"/>
           </p:cNvPicPr>
           <p:nvPr/>
         </p:nvPicPr>
-        <p:blipFill rotWithShape="1">
+        <p:blipFill>
           <a:blip r:embed="rId6" cstate="print">
             <a:extLst>
               <a:ext uri="{28A0092B-C50C-407E-A947-70E740481C1C}">
@@ -3663,13 +3780,14 @@
               </a:ext>
             </a:extLst>
           </a:blip>
-          <a:srcRect b="31978"/>
-          <a:stretch/>
+          <a:stretch>
+            <a:fillRect/>
+          </a:stretch>
         </p:blipFill>
         <p:spPr>
           <a:xfrm>
-            <a:off x="1310284" y="3429000"/>
-            <a:ext cx="1677541" cy="1141092"/>
+            <a:off x="2577183" y="256690"/>
+            <a:ext cx="1565920" cy="1565920"/>
           </a:xfrm>
           <a:prstGeom prst="rect">
             <a:avLst/>
@@ -3678,19 +3796,13 @@
       </p:pic>
       <p:pic>
         <p:nvPicPr>
-          <p:cNvPr id="5" name="Picture 4">
-            <a:extLst>
-              <a:ext uri="{FF2B5EF4-FFF2-40B4-BE49-F238E27FC236}">
-                <a16:creationId xmlns:a16="http://schemas.microsoft.com/office/drawing/2014/main" id="{22ECA4E4-D671-484F-AB94-2E00AC05B25E}"/>
-              </a:ext>
-            </a:extLst>
-          </p:cNvPr>
+          <p:cNvPr id="4" name="Picture 3"/>
           <p:cNvPicPr>
             <a:picLocks noChangeAspect="1"/>
           </p:cNvPicPr>
           <p:nvPr/>
         </p:nvPicPr>
-        <p:blipFill rotWithShape="1">
+        <p:blipFill>
           <a:blip r:embed="rId7" cstate="print">
             <a:extLst>
               <a:ext uri="{28A0092B-C50C-407E-A947-70E740481C1C}">
@@ -3698,13 +3810,14 @@
               </a:ext>
             </a:extLst>
           </a:blip>
-          <a:srcRect b="32034"/>
-          <a:stretch/>
+          <a:stretch>
+            <a:fillRect/>
+          </a:stretch>
         </p:blipFill>
         <p:spPr>
           <a:xfrm>
-            <a:off x="4153021" y="1393501"/>
-            <a:ext cx="1829453" cy="1243412"/>
+            <a:off x="5651922" y="2310805"/>
+            <a:ext cx="1611052" cy="1611052"/>
           </a:xfrm>
           <a:prstGeom prst="rect">
             <a:avLst/>
@@ -3713,19 +3826,13 @@
       </p:pic>
       <p:pic>
         <p:nvPicPr>
-          <p:cNvPr id="11" name="Picture 10">
-            <a:extLst>
-              <a:ext uri="{FF2B5EF4-FFF2-40B4-BE49-F238E27FC236}">
-                <a16:creationId xmlns:a16="http://schemas.microsoft.com/office/drawing/2014/main" id="{F322DFCD-73A2-4079-8844-AAB0112EF2A1}"/>
-              </a:ext>
-            </a:extLst>
-          </p:cNvPr>
+          <p:cNvPr id="10" name="Picture 9"/>
           <p:cNvPicPr>
             <a:picLocks noChangeAspect="1"/>
           </p:cNvPicPr>
           <p:nvPr/>
         </p:nvPicPr>
-        <p:blipFill rotWithShape="1">
+        <p:blipFill>
           <a:blip r:embed="rId8" cstate="print">
             <a:extLst>
               <a:ext uri="{28A0092B-C50C-407E-A947-70E740481C1C}">
@@ -3733,13 +3840,14 @@
               </a:ext>
             </a:extLst>
           </a:blip>
-          <a:srcRect b="33192"/>
-          <a:stretch/>
+          <a:stretch>
+            <a:fillRect/>
+          </a:stretch>
         </p:blipFill>
         <p:spPr>
           <a:xfrm>
-            <a:off x="5387997" y="2708920"/>
-            <a:ext cx="1861172" cy="1243412"/>
+            <a:off x="1331641" y="3330893"/>
+            <a:ext cx="1584176" cy="1584176"/>
           </a:xfrm>
           <a:prstGeom prst="rect">
             <a:avLst/>
@@ -3750,6 +3858,776 @@
     <p:extLst>
       <p:ext uri="{BB962C8B-B14F-4D97-AF65-F5344CB8AC3E}">
         <p14:creationId xmlns:p14="http://schemas.microsoft.com/office/powerpoint/2010/main" val="3782618392"/>
+      </p:ext>
+    </p:extLst>
+  </p:cSld>
+  <p:clrMapOvr>
+    <a:masterClrMapping/>
+  </p:clrMapOvr>
+</p:sld>
+</file>
+
+<file path=ppt/slides/slide3.xml><?xml version="1.0" encoding="utf-8"?>
+<p:sld xmlns:a="http://schemas.openxmlformats.org/drawingml/2006/main" xmlns:r="http://schemas.openxmlformats.org/officeDocument/2006/relationships" xmlns:p="http://schemas.openxmlformats.org/presentationml/2006/main">
+  <p:cSld>
+    <p:spTree>
+      <p:nvGrpSpPr>
+        <p:cNvPr id="1" name=""/>
+        <p:cNvGrpSpPr/>
+        <p:nvPr/>
+      </p:nvGrpSpPr>
+      <p:grpSpPr>
+        <a:xfrm>
+          <a:off x="0" y="0"/>
+          <a:ext cx="0" cy="0"/>
+          <a:chOff x="0" y="0"/>
+          <a:chExt cx="0" cy="0"/>
+        </a:xfrm>
+      </p:grpSpPr>
+      <p:pic>
+        <p:nvPicPr>
+          <p:cNvPr id="8" name="Picture 7"/>
+          <p:cNvPicPr>
+            <a:picLocks noChangeAspect="1"/>
+          </p:cNvPicPr>
+          <p:nvPr/>
+        </p:nvPicPr>
+        <p:blipFill>
+          <a:blip r:embed="rId2" cstate="print">
+            <a:extLst>
+              <a:ext uri="{28A0092B-C50C-407E-A947-70E740481C1C}">
+                <a14:useLocalDpi xmlns:a14="http://schemas.microsoft.com/office/drawing/2010/main" val="0"/>
+              </a:ext>
+            </a:extLst>
+          </a:blip>
+          <a:stretch>
+            <a:fillRect/>
+          </a:stretch>
+        </p:blipFill>
+        <p:spPr>
+          <a:xfrm>
+            <a:off x="914400" y="1324124"/>
+            <a:ext cx="7315200" cy="5486400"/>
+          </a:xfrm>
+          <a:prstGeom prst="rect">
+            <a:avLst/>
+          </a:prstGeom>
+        </p:spPr>
+      </p:pic>
+      <p:pic>
+        <p:nvPicPr>
+          <p:cNvPr id="5" name="Picture 2"/>
+          <p:cNvPicPr>
+            <a:picLocks noChangeAspect="1" noChangeArrowheads="1"/>
+          </p:cNvPicPr>
+          <p:nvPr/>
+        </p:nvPicPr>
+        <p:blipFill>
+          <a:blip r:embed="rId3">
+            <a:duotone>
+              <a:schemeClr val="accent6">
+                <a:shade val="45000"/>
+                <a:satMod val="135000"/>
+              </a:schemeClr>
+              <a:prstClr val="white"/>
+            </a:duotone>
+            <a:extLst>
+              <a:ext uri="{28A0092B-C50C-407E-A947-70E740481C1C}">
+                <a14:useLocalDpi xmlns:a14="http://schemas.microsoft.com/office/drawing/2010/main" val="0"/>
+              </a:ext>
+            </a:extLst>
+          </a:blip>
+          <a:srcRect/>
+          <a:stretch>
+            <a:fillRect/>
+          </a:stretch>
+        </p:blipFill>
+        <p:spPr bwMode="auto">
+          <a:xfrm>
+            <a:off x="1857386" y="5321841"/>
+            <a:ext cx="688760" cy="371285"/>
+          </a:xfrm>
+          <a:prstGeom prst="rect">
+            <a:avLst/>
+          </a:prstGeom>
+          <a:noFill/>
+          <a:ln>
+            <a:noFill/>
+          </a:ln>
+          <a:effectLst/>
+          <a:extLst>
+            <a:ext uri="{909E8E84-426E-40DD-AFC4-6F175D3DCCD1}">
+              <a14:hiddenFill xmlns:a14="http://schemas.microsoft.com/office/drawing/2010/main">
+                <a:solidFill>
+                  <a:schemeClr val="accent1"/>
+                </a:solidFill>
+              </a14:hiddenFill>
+            </a:ext>
+            <a:ext uri="{91240B29-F687-4F45-9708-019B960494DF}">
+              <a14:hiddenLine xmlns:a14="http://schemas.microsoft.com/office/drawing/2010/main" w="9525">
+                <a:solidFill>
+                  <a:schemeClr val="tx1"/>
+                </a:solidFill>
+                <a:miter lim="800000"/>
+                <a:headEnd/>
+                <a:tailEnd/>
+              </a14:hiddenLine>
+            </a:ext>
+            <a:ext uri="{AF507438-7753-43E0-B8FC-AC1667EBCBE1}">
+              <a14:hiddenEffects xmlns:a14="http://schemas.microsoft.com/office/drawing/2010/main">
+                <a:effectLst>
+                  <a:outerShdw dist="35921" dir="2700000" algn="ctr" rotWithShape="0">
+                    <a:schemeClr val="bg2"/>
+                  </a:outerShdw>
+                </a:effectLst>
+              </a14:hiddenEffects>
+            </a:ext>
+          </a:extLst>
+        </p:spPr>
+      </p:pic>
+      <p:pic>
+        <p:nvPicPr>
+          <p:cNvPr id="6" name="Picture 6" descr="http://phylopic.org/assets/images/submissions/4679516b-405b-444f-974d-9775876716e2.128.png"/>
+          <p:cNvPicPr>
+            <a:picLocks noChangeAspect="1" noChangeArrowheads="1"/>
+          </p:cNvPicPr>
+          <p:nvPr/>
+        </p:nvPicPr>
+        <p:blipFill>
+          <a:blip r:embed="rId4" cstate="print">
+            <a:duotone>
+              <a:schemeClr val="accent4">
+                <a:shade val="45000"/>
+                <a:satMod val="135000"/>
+              </a:schemeClr>
+              <a:prstClr val="white"/>
+            </a:duotone>
+            <a:extLst>
+              <a:ext uri="{28A0092B-C50C-407E-A947-70E740481C1C}">
+                <a14:useLocalDpi xmlns:a14="http://schemas.microsoft.com/office/drawing/2010/main" val="0"/>
+              </a:ext>
+            </a:extLst>
+          </a:blip>
+          <a:srcRect/>
+          <a:stretch>
+            <a:fillRect/>
+          </a:stretch>
+        </p:blipFill>
+        <p:spPr bwMode="auto">
+          <a:xfrm>
+            <a:off x="2503398" y="1520035"/>
+            <a:ext cx="380400" cy="402407"/>
+          </a:xfrm>
+          <a:prstGeom prst="rect">
+            <a:avLst/>
+          </a:prstGeom>
+          <a:noFill/>
+          <a:extLst>
+            <a:ext uri="{909E8E84-426E-40DD-AFC4-6F175D3DCCD1}">
+              <a14:hiddenFill xmlns:a14="http://schemas.microsoft.com/office/drawing/2010/main">
+                <a:solidFill>
+                  <a:srgbClr val="FFFFFF"/>
+                </a:solidFill>
+              </a14:hiddenFill>
+            </a:ext>
+          </a:extLst>
+        </p:spPr>
+      </p:pic>
+      <p:pic>
+        <p:nvPicPr>
+          <p:cNvPr id="7" name="Picture 4" descr="http://phylopic.org/assets/images/submissions/4042ad12-98d4-4761-becc-9684dc071f43.128.png"/>
+          <p:cNvPicPr>
+            <a:picLocks noChangeAspect="1" noChangeArrowheads="1"/>
+          </p:cNvPicPr>
+          <p:nvPr/>
+        </p:nvPicPr>
+        <p:blipFill>
+          <a:blip r:embed="rId5">
+            <a:duotone>
+              <a:schemeClr val="accent5">
+                <a:shade val="45000"/>
+                <a:satMod val="135000"/>
+              </a:schemeClr>
+              <a:prstClr val="white"/>
+            </a:duotone>
+            <a:extLst>
+              <a:ext uri="{28A0092B-C50C-407E-A947-70E740481C1C}">
+                <a14:useLocalDpi xmlns:a14="http://schemas.microsoft.com/office/drawing/2010/main" val="0"/>
+              </a:ext>
+            </a:extLst>
+          </a:blip>
+          <a:srcRect/>
+          <a:stretch>
+            <a:fillRect/>
+          </a:stretch>
+        </p:blipFill>
+        <p:spPr bwMode="auto">
+          <a:xfrm>
+            <a:off x="6660232" y="5507484"/>
+            <a:ext cx="768424" cy="522289"/>
+          </a:xfrm>
+          <a:prstGeom prst="rect">
+            <a:avLst/>
+          </a:prstGeom>
+          <a:noFill/>
+          <a:extLst>
+            <a:ext uri="{909E8E84-426E-40DD-AFC4-6F175D3DCCD1}">
+              <a14:hiddenFill xmlns:a14="http://schemas.microsoft.com/office/drawing/2010/main">
+                <a:solidFill>
+                  <a:srgbClr val="FFFFFF"/>
+                </a:solidFill>
+              </a14:hiddenFill>
+            </a:ext>
+          </a:extLst>
+        </p:spPr>
+      </p:pic>
+      <p:pic>
+        <p:nvPicPr>
+          <p:cNvPr id="2" name="Picture 1"/>
+          <p:cNvPicPr>
+            <a:picLocks noChangeAspect="1"/>
+          </p:cNvPicPr>
+          <p:nvPr/>
+        </p:nvPicPr>
+        <p:blipFill>
+          <a:blip r:embed="rId6" cstate="print">
+            <a:extLst>
+              <a:ext uri="{28A0092B-C50C-407E-A947-70E740481C1C}">
+                <a14:useLocalDpi xmlns:a14="http://schemas.microsoft.com/office/drawing/2010/main" val="0"/>
+              </a:ext>
+            </a:extLst>
+          </a:blip>
+          <a:stretch>
+            <a:fillRect/>
+          </a:stretch>
+        </p:blipFill>
+        <p:spPr>
+          <a:xfrm>
+            <a:off x="1857386" y="699494"/>
+            <a:ext cx="2138550" cy="1443594"/>
+          </a:xfrm>
+          <a:prstGeom prst="rect">
+            <a:avLst/>
+          </a:prstGeom>
+        </p:spPr>
+      </p:pic>
+      <p:pic>
+        <p:nvPicPr>
+          <p:cNvPr id="3" name="Picture 2"/>
+          <p:cNvPicPr>
+            <a:picLocks noChangeAspect="1"/>
+          </p:cNvPicPr>
+          <p:nvPr/>
+        </p:nvPicPr>
+        <p:blipFill>
+          <a:blip r:embed="rId7" cstate="print">
+            <a:extLst>
+              <a:ext uri="{28A0092B-C50C-407E-A947-70E740481C1C}">
+                <a14:useLocalDpi xmlns:a14="http://schemas.microsoft.com/office/drawing/2010/main" val="0"/>
+              </a:ext>
+            </a:extLst>
+          </a:blip>
+          <a:stretch>
+            <a:fillRect/>
+          </a:stretch>
+        </p:blipFill>
+        <p:spPr>
+          <a:xfrm>
+            <a:off x="5868144" y="4127206"/>
+            <a:ext cx="2151112" cy="1565920"/>
+          </a:xfrm>
+          <a:prstGeom prst="rect">
+            <a:avLst/>
+          </a:prstGeom>
+        </p:spPr>
+      </p:pic>
+      <p:pic>
+        <p:nvPicPr>
+          <p:cNvPr id="4" name="Picture 3"/>
+          <p:cNvPicPr>
+            <a:picLocks noChangeAspect="1"/>
+          </p:cNvPicPr>
+          <p:nvPr/>
+        </p:nvPicPr>
+        <p:blipFill>
+          <a:blip r:embed="rId8" cstate="print">
+            <a:extLst>
+              <a:ext uri="{28A0092B-C50C-407E-A947-70E740481C1C}">
+                <a14:useLocalDpi xmlns:a14="http://schemas.microsoft.com/office/drawing/2010/main" val="0"/>
+              </a:ext>
+            </a:extLst>
+          </a:blip>
+          <a:stretch>
+            <a:fillRect/>
+          </a:stretch>
+        </p:blipFill>
+        <p:spPr>
+          <a:xfrm>
+            <a:off x="1475656" y="3689078"/>
+            <a:ext cx="2232248" cy="1565920"/>
+          </a:xfrm>
+          <a:prstGeom prst="rect">
+            <a:avLst/>
+          </a:prstGeom>
+        </p:spPr>
+      </p:pic>
+      <p:sp>
+        <p:nvSpPr>
+          <p:cNvPr id="19" name="TextBox 18"/>
+          <p:cNvSpPr txBox="1"/>
+          <p:nvPr/>
+        </p:nvSpPr>
+        <p:spPr>
+          <a:xfrm>
+            <a:off x="2009514" y="266325"/>
+            <a:ext cx="986422" cy="415498"/>
+          </a:xfrm>
+          <a:prstGeom prst="rect">
+            <a:avLst/>
+          </a:prstGeom>
+          <a:noFill/>
+        </p:spPr>
+        <p:txBody>
+          <a:bodyPr wrap="square" rtlCol="0">
+            <a:spAutoFit/>
+          </a:bodyPr>
+          <a:lstStyle/>
+          <a:p>
+            <a:pPr algn="ctr"/>
+            <a:r>
+              <a:rPr lang="en-GB" sz="1050" dirty="0" smtClean="0"/>
+              <a:t>Baseline steady state</a:t>
+            </a:r>
+            <a:endParaRPr lang="en-GB" sz="1050" dirty="0"/>
+          </a:p>
+        </p:txBody>
+      </p:sp>
+      <p:sp>
+        <p:nvSpPr>
+          <p:cNvPr id="20" name="TextBox 19"/>
+          <p:cNvSpPr txBox="1"/>
+          <p:nvPr/>
+        </p:nvSpPr>
+        <p:spPr>
+          <a:xfrm>
+            <a:off x="2811340" y="474074"/>
+            <a:ext cx="1112588" cy="415498"/>
+          </a:xfrm>
+          <a:prstGeom prst="rect">
+            <a:avLst/>
+          </a:prstGeom>
+          <a:noFill/>
+        </p:spPr>
+        <p:txBody>
+          <a:bodyPr wrap="square" rtlCol="0">
+            <a:spAutoFit/>
+          </a:bodyPr>
+          <a:lstStyle/>
+          <a:p>
+            <a:pPr algn="ctr"/>
+            <a:r>
+              <a:rPr lang="en-GB" sz="1050" dirty="0" smtClean="0"/>
+              <a:t>Juvenile harvest steady state</a:t>
+            </a:r>
+            <a:endParaRPr lang="en-GB" sz="1050" dirty="0"/>
+          </a:p>
+        </p:txBody>
+      </p:sp>
+      <p:cxnSp>
+        <p:nvCxnSpPr>
+          <p:cNvPr id="21" name="Straight Arrow Connector 20"/>
+          <p:cNvCxnSpPr>
+            <a:stCxn id="19" idx="2"/>
+          </p:cNvCxnSpPr>
+          <p:nvPr/>
+        </p:nvCxnSpPr>
+        <p:spPr>
+          <a:xfrm>
+            <a:off x="2502725" y="681823"/>
+            <a:ext cx="0" cy="155240"/>
+          </a:xfrm>
+          <a:prstGeom prst="straightConnector1">
+            <a:avLst/>
+          </a:prstGeom>
+          <a:ln w="38100">
+            <a:solidFill>
+              <a:schemeClr val="tx1"/>
+            </a:solidFill>
+            <a:tailEnd type="stealth"/>
+          </a:ln>
+        </p:spPr>
+        <p:style>
+          <a:lnRef idx="1">
+            <a:schemeClr val="accent1"/>
+          </a:lnRef>
+          <a:fillRef idx="0">
+            <a:schemeClr val="accent1"/>
+          </a:fillRef>
+          <a:effectRef idx="0">
+            <a:schemeClr val="accent1"/>
+          </a:effectRef>
+          <a:fontRef idx="minor">
+            <a:schemeClr val="tx1"/>
+          </a:fontRef>
+        </p:style>
+      </p:cxnSp>
+      <p:cxnSp>
+        <p:nvCxnSpPr>
+          <p:cNvPr id="22" name="Straight Arrow Connector 21"/>
+          <p:cNvCxnSpPr/>
+          <p:nvPr/>
+        </p:nvCxnSpPr>
+        <p:spPr>
+          <a:xfrm>
+            <a:off x="3419872" y="909835"/>
+            <a:ext cx="0" cy="155240"/>
+          </a:xfrm>
+          <a:prstGeom prst="straightConnector1">
+            <a:avLst/>
+          </a:prstGeom>
+          <a:ln w="38100">
+            <a:solidFill>
+              <a:schemeClr val="tx1"/>
+            </a:solidFill>
+            <a:tailEnd type="stealth"/>
+          </a:ln>
+        </p:spPr>
+        <p:style>
+          <a:lnRef idx="1">
+            <a:schemeClr val="accent1"/>
+          </a:lnRef>
+          <a:fillRef idx="0">
+            <a:schemeClr val="accent1"/>
+          </a:fillRef>
+          <a:effectRef idx="0">
+            <a:schemeClr val="accent1"/>
+          </a:effectRef>
+          <a:fontRef idx="minor">
+            <a:schemeClr val="tx1"/>
+          </a:fontRef>
+        </p:style>
+      </p:cxnSp>
+    </p:spTree>
+    <p:extLst>
+      <p:ext uri="{BB962C8B-B14F-4D97-AF65-F5344CB8AC3E}">
+        <p14:creationId xmlns:p14="http://schemas.microsoft.com/office/powerpoint/2010/main" val="1989007480"/>
+      </p:ext>
+    </p:extLst>
+  </p:cSld>
+  <p:clrMapOvr>
+    <a:masterClrMapping/>
+  </p:clrMapOvr>
+</p:sld>
+</file>
+
+<file path=ppt/slides/slide4.xml><?xml version="1.0" encoding="utf-8"?>
+<p:sld xmlns:a="http://schemas.openxmlformats.org/drawingml/2006/main" xmlns:r="http://schemas.openxmlformats.org/officeDocument/2006/relationships" xmlns:p="http://schemas.openxmlformats.org/presentationml/2006/main">
+  <p:cSld>
+    <p:spTree>
+      <p:nvGrpSpPr>
+        <p:cNvPr id="1" name=""/>
+        <p:cNvGrpSpPr/>
+        <p:nvPr/>
+      </p:nvGrpSpPr>
+      <p:grpSpPr>
+        <a:xfrm>
+          <a:off x="0" y="0"/>
+          <a:ext cx="0" cy="0"/>
+          <a:chOff x="0" y="0"/>
+          <a:chExt cx="0" cy="0"/>
+        </a:xfrm>
+      </p:grpSpPr>
+      <p:pic>
+        <p:nvPicPr>
+          <p:cNvPr id="6" name="Picture 5"/>
+          <p:cNvPicPr>
+            <a:picLocks noChangeAspect="1"/>
+          </p:cNvPicPr>
+          <p:nvPr/>
+        </p:nvPicPr>
+        <p:blipFill>
+          <a:blip r:embed="rId2" cstate="print">
+            <a:extLst>
+              <a:ext uri="{28A0092B-C50C-407E-A947-70E740481C1C}">
+                <a14:useLocalDpi xmlns:a14="http://schemas.microsoft.com/office/drawing/2010/main" val="0"/>
+              </a:ext>
+            </a:extLst>
+          </a:blip>
+          <a:stretch>
+            <a:fillRect/>
+          </a:stretch>
+        </p:blipFill>
+        <p:spPr>
+          <a:xfrm>
+            <a:off x="914400" y="685800"/>
+            <a:ext cx="7315200" cy="5486400"/>
+          </a:xfrm>
+          <a:prstGeom prst="rect">
+            <a:avLst/>
+          </a:prstGeom>
+        </p:spPr>
+      </p:pic>
+      <p:pic>
+        <p:nvPicPr>
+          <p:cNvPr id="7" name="Picture 5"/>
+          <p:cNvPicPr>
+            <a:picLocks noChangeAspect="1" noChangeArrowheads="1"/>
+          </p:cNvPicPr>
+          <p:nvPr/>
+        </p:nvPicPr>
+        <p:blipFill>
+          <a:blip r:embed="rId3">
+            <a:duotone>
+              <a:schemeClr val="accent5">
+                <a:shade val="45000"/>
+                <a:satMod val="135000"/>
+              </a:schemeClr>
+              <a:prstClr val="white"/>
+            </a:duotone>
+            <a:extLst>
+              <a:ext uri="{28A0092B-C50C-407E-A947-70E740481C1C}">
+                <a14:useLocalDpi xmlns:a14="http://schemas.microsoft.com/office/drawing/2010/main" val="0"/>
+              </a:ext>
+            </a:extLst>
+          </a:blip>
+          <a:srcRect/>
+          <a:stretch>
+            <a:fillRect/>
+          </a:stretch>
+        </p:blipFill>
+        <p:spPr bwMode="auto">
+          <a:xfrm>
+            <a:off x="1547664" y="4653136"/>
+            <a:ext cx="720080" cy="461301"/>
+          </a:xfrm>
+          <a:prstGeom prst="rect">
+            <a:avLst/>
+          </a:prstGeom>
+          <a:noFill/>
+          <a:ln>
+            <a:noFill/>
+          </a:ln>
+          <a:effectLst/>
+          <a:extLst>
+            <a:ext uri="{909E8E84-426E-40DD-AFC4-6F175D3DCCD1}">
+              <a14:hiddenFill xmlns:a14="http://schemas.microsoft.com/office/drawing/2010/main">
+                <a:solidFill>
+                  <a:schemeClr val="accent1"/>
+                </a:solidFill>
+              </a14:hiddenFill>
+            </a:ext>
+            <a:ext uri="{91240B29-F687-4F45-9708-019B960494DF}">
+              <a14:hiddenLine xmlns:a14="http://schemas.microsoft.com/office/drawing/2010/main" w="9525">
+                <a:solidFill>
+                  <a:schemeClr val="tx1"/>
+                </a:solidFill>
+                <a:miter lim="800000"/>
+                <a:headEnd/>
+                <a:tailEnd/>
+              </a14:hiddenLine>
+            </a:ext>
+            <a:ext uri="{AF507438-7753-43E0-B8FC-AC1667EBCBE1}">
+              <a14:hiddenEffects xmlns:a14="http://schemas.microsoft.com/office/drawing/2010/main">
+                <a:effectLst>
+                  <a:outerShdw dist="35921" dir="2700000" algn="ctr" rotWithShape="0">
+                    <a:schemeClr val="bg2"/>
+                  </a:outerShdw>
+                </a:effectLst>
+              </a14:hiddenEffects>
+            </a:ext>
+          </a:extLst>
+        </p:spPr>
+      </p:pic>
+      <p:pic>
+        <p:nvPicPr>
+          <p:cNvPr id="8" name="Picture 2" descr="http://phylopic.org/assets/images/submissions/1c65c811-4caa-4be3-9936-7a16e6905131.128.png"/>
+          <p:cNvPicPr>
+            <a:picLocks noChangeAspect="1" noChangeArrowheads="1"/>
+          </p:cNvPicPr>
+          <p:nvPr/>
+        </p:nvPicPr>
+        <p:blipFill>
+          <a:blip r:embed="rId4">
+            <a:duotone>
+              <a:schemeClr val="accent6">
+                <a:shade val="45000"/>
+                <a:satMod val="135000"/>
+              </a:schemeClr>
+              <a:prstClr val="white"/>
+            </a:duotone>
+            <a:extLst>
+              <a:ext uri="{28A0092B-C50C-407E-A947-70E740481C1C}">
+                <a14:useLocalDpi xmlns:a14="http://schemas.microsoft.com/office/drawing/2010/main" val="0"/>
+              </a:ext>
+            </a:extLst>
+          </a:blip>
+          <a:srcRect/>
+          <a:stretch>
+            <a:fillRect/>
+          </a:stretch>
+        </p:blipFill>
+        <p:spPr bwMode="auto">
+          <a:xfrm>
+            <a:off x="6156176" y="3573016"/>
+            <a:ext cx="1106798" cy="709043"/>
+          </a:xfrm>
+          <a:prstGeom prst="rect">
+            <a:avLst/>
+          </a:prstGeom>
+          <a:noFill/>
+          <a:extLst>
+            <a:ext uri="{909E8E84-426E-40DD-AFC4-6F175D3DCCD1}">
+              <a14:hiddenFill xmlns:a14="http://schemas.microsoft.com/office/drawing/2010/main">
+                <a:solidFill>
+                  <a:srgbClr val="FFFFFF"/>
+                </a:solidFill>
+              </a14:hiddenFill>
+            </a:ext>
+          </a:extLst>
+        </p:spPr>
+      </p:pic>
+      <p:pic>
+        <p:nvPicPr>
+          <p:cNvPr id="9" name="Picture 4" descr="http://phylopic.org/assets/images/submissions/5346cae2-1543-4aeb-9ef0-7d67005749c3.128.png"/>
+          <p:cNvPicPr>
+            <a:picLocks noChangeAspect="1" noChangeArrowheads="1"/>
+          </p:cNvPicPr>
+          <p:nvPr/>
+        </p:nvPicPr>
+        <p:blipFill>
+          <a:blip r:embed="rId5">
+            <a:duotone>
+              <a:schemeClr val="accent4">
+                <a:shade val="45000"/>
+                <a:satMod val="135000"/>
+              </a:schemeClr>
+              <a:prstClr val="white"/>
+            </a:duotone>
+            <a:extLst>
+              <a:ext uri="{28A0092B-C50C-407E-A947-70E740481C1C}">
+                <a14:useLocalDpi xmlns:a14="http://schemas.microsoft.com/office/drawing/2010/main" val="0"/>
+              </a:ext>
+            </a:extLst>
+          </a:blip>
+          <a:srcRect/>
+          <a:stretch>
+            <a:fillRect/>
+          </a:stretch>
+        </p:blipFill>
+        <p:spPr bwMode="auto">
+          <a:xfrm>
+            <a:off x="3749527" y="836712"/>
+            <a:ext cx="787152" cy="405876"/>
+          </a:xfrm>
+          <a:prstGeom prst="rect">
+            <a:avLst/>
+          </a:prstGeom>
+          <a:noFill/>
+          <a:extLst>
+            <a:ext uri="{909E8E84-426E-40DD-AFC4-6F175D3DCCD1}">
+              <a14:hiddenFill xmlns:a14="http://schemas.microsoft.com/office/drawing/2010/main">
+                <a:solidFill>
+                  <a:srgbClr val="FFFFFF"/>
+                </a:solidFill>
+              </a14:hiddenFill>
+            </a:ext>
+          </a:extLst>
+        </p:spPr>
+      </p:pic>
+      <p:pic>
+        <p:nvPicPr>
+          <p:cNvPr id="2" name="Picture 1"/>
+          <p:cNvPicPr>
+            <a:picLocks noChangeAspect="1"/>
+          </p:cNvPicPr>
+          <p:nvPr/>
+        </p:nvPicPr>
+        <p:blipFill>
+          <a:blip r:embed="rId6" cstate="print">
+            <a:extLst>
+              <a:ext uri="{28A0092B-C50C-407E-A947-70E740481C1C}">
+                <a14:useLocalDpi xmlns:a14="http://schemas.microsoft.com/office/drawing/2010/main" val="0"/>
+              </a:ext>
+            </a:extLst>
+          </a:blip>
+          <a:stretch>
+            <a:fillRect/>
+          </a:stretch>
+        </p:blipFill>
+        <p:spPr>
+          <a:xfrm>
+            <a:off x="2582900" y="188640"/>
+            <a:ext cx="1565920" cy="1565920"/>
+          </a:xfrm>
+          <a:prstGeom prst="rect">
+            <a:avLst/>
+          </a:prstGeom>
+        </p:spPr>
+      </p:pic>
+      <p:pic>
+        <p:nvPicPr>
+          <p:cNvPr id="4" name="Picture 3"/>
+          <p:cNvPicPr>
+            <a:picLocks noChangeAspect="1"/>
+          </p:cNvPicPr>
+          <p:nvPr/>
+        </p:nvPicPr>
+        <p:blipFill>
+          <a:blip r:embed="rId7" cstate="print">
+            <a:extLst>
+              <a:ext uri="{28A0092B-C50C-407E-A947-70E740481C1C}">
+                <a14:useLocalDpi xmlns:a14="http://schemas.microsoft.com/office/drawing/2010/main" val="0"/>
+              </a:ext>
+            </a:extLst>
+          </a:blip>
+          <a:stretch>
+            <a:fillRect/>
+          </a:stretch>
+        </p:blipFill>
+        <p:spPr>
+          <a:xfrm>
+            <a:off x="1331640" y="3350400"/>
+            <a:ext cx="1530164" cy="1530164"/>
+          </a:xfrm>
+          <a:prstGeom prst="rect">
+            <a:avLst/>
+          </a:prstGeom>
+        </p:spPr>
+      </p:pic>
+      <p:pic>
+        <p:nvPicPr>
+          <p:cNvPr id="10" name="Picture 9"/>
+          <p:cNvPicPr>
+            <a:picLocks noChangeAspect="1"/>
+          </p:cNvPicPr>
+          <p:nvPr/>
+        </p:nvPicPr>
+        <p:blipFill>
+          <a:blip r:embed="rId8" cstate="print">
+            <a:extLst>
+              <a:ext uri="{28A0092B-C50C-407E-A947-70E740481C1C}">
+                <a14:useLocalDpi xmlns:a14="http://schemas.microsoft.com/office/drawing/2010/main" val="0"/>
+              </a:ext>
+            </a:extLst>
+          </a:blip>
+          <a:stretch>
+            <a:fillRect/>
+          </a:stretch>
+        </p:blipFill>
+        <p:spPr>
+          <a:xfrm>
+            <a:off x="5724128" y="2060848"/>
+            <a:ext cx="1637928" cy="1637928"/>
+          </a:xfrm>
+          <a:prstGeom prst="rect">
+            <a:avLst/>
+          </a:prstGeom>
+        </p:spPr>
+      </p:pic>
+    </p:spTree>
+    <p:extLst>
+      <p:ext uri="{BB962C8B-B14F-4D97-AF65-F5344CB8AC3E}">
+        <p14:creationId xmlns:p14="http://schemas.microsoft.com/office/powerpoint/2010/main" val="4272493080"/>
       </p:ext>
     </p:extLst>
   </p:cSld>
